--- a/wip/Project 1 - Fundamentals Reteach.pptx
+++ b/wip/Project 1 - Fundamentals Reteach.pptx
@@ -9,6 +9,7 @@
     <p:sldId id="257" r:id="rId6"/>
     <p:sldId id="258" r:id="rId7"/>
     <p:sldId id="259" r:id="rId8"/>
+    <p:sldId id="260" r:id="rId9"/>
   </p:sldIdLst>
   <p:sldSz cx="12192000" cy="6858000"/>
   <p:notesSz cx="6858000" cy="9144000"/>
@@ -107,6 +108,11 @@
       </a:defRPr>
     </a:lvl9pPr>
   </p:defaultTextStyle>
+  <p:extLst>
+    <p:ext uri="{EFAFB233-063F-42B5-8137-9DF3F51BA10A}">
+      <p15:sldGuideLst xmlns:p15="http://schemas.microsoft.com/office/powerpoint/2012/main"/>
+    </p:ext>
+  </p:extLst>
 </p:presentation>
 </file>
 
@@ -114,8 +120,8 @@
 <pc:chgInfo xmlns:a="http://schemas.openxmlformats.org/drawingml/2006/main" xmlns:r="http://schemas.openxmlformats.org/officeDocument/2006/relationships" xmlns:ac="http://schemas.microsoft.com/office/drawing/2013/main/command" xmlns:pc="http://schemas.microsoft.com/office/powerpoint/2013/main/command">
   <pc:docChgLst>
     <pc:chgData name="Joshua Gross" userId="7bb6a70e-9d37-46e4-96de-748557707bd0" providerId="ADAL" clId="{13CE7761-8537-4096-A110-1F956D9B902A}"/>
-    <pc:docChg chg="modSld">
-      <pc:chgData name="Joshua Gross" userId="7bb6a70e-9d37-46e4-96de-748557707bd0" providerId="ADAL" clId="{13CE7761-8537-4096-A110-1F956D9B902A}" dt="2023-09-05T14:21:22.716" v="12" actId="20577"/>
+    <pc:docChg chg="custSel addSld modSld">
+      <pc:chgData name="Joshua Gross" userId="7bb6a70e-9d37-46e4-96de-748557707bd0" providerId="ADAL" clId="{13CE7761-8537-4096-A110-1F956D9B902A}" dt="2023-09-05T21:23:01.841" v="137" actId="113"/>
       <pc:docMkLst>
         <pc:docMk/>
       </pc:docMkLst>
@@ -131,6 +137,36 @@
             <pc:docMk/>
             <pc:sldMk cId="2543186239" sldId="256"/>
             <ac:spMk id="3" creationId="{EDB079EF-184C-468E-9353-84BF31739F96}"/>
+          </ac:spMkLst>
+        </pc:spChg>
+      </pc:sldChg>
+      <pc:sldChg chg="modSp">
+        <pc:chgData name="Joshua Gross" userId="7bb6a70e-9d37-46e4-96de-748557707bd0" providerId="ADAL" clId="{13CE7761-8537-4096-A110-1F956D9B902A}" dt="2023-09-05T21:23:01.841" v="137" actId="113"/>
+        <pc:sldMkLst>
+          <pc:docMk/>
+          <pc:sldMk cId="1530552867" sldId="259"/>
+        </pc:sldMkLst>
+        <pc:spChg chg="mod">
+          <ac:chgData name="Joshua Gross" userId="7bb6a70e-9d37-46e4-96de-748557707bd0" providerId="ADAL" clId="{13CE7761-8537-4096-A110-1F956D9B902A}" dt="2023-09-05T21:23:01.841" v="137" actId="113"/>
+          <ac:spMkLst>
+            <pc:docMk/>
+            <pc:sldMk cId="1530552867" sldId="259"/>
+            <ac:spMk id="3" creationId="{3DA1A82E-3628-4904-AA31-66E99F28A31D}"/>
+          </ac:spMkLst>
+        </pc:spChg>
+      </pc:sldChg>
+      <pc:sldChg chg="modSp add">
+        <pc:chgData name="Joshua Gross" userId="7bb6a70e-9d37-46e4-96de-748557707bd0" providerId="ADAL" clId="{13CE7761-8537-4096-A110-1F956D9B902A}" dt="2023-09-05T21:22:59.298" v="136" actId="113"/>
+        <pc:sldMkLst>
+          <pc:docMk/>
+          <pc:sldMk cId="3452898084" sldId="260"/>
+        </pc:sldMkLst>
+        <pc:spChg chg="mod">
+          <ac:chgData name="Joshua Gross" userId="7bb6a70e-9d37-46e4-96de-748557707bd0" providerId="ADAL" clId="{13CE7761-8537-4096-A110-1F956D9B902A}" dt="2023-09-05T21:22:59.298" v="136" actId="113"/>
+          <ac:spMkLst>
+            <pc:docMk/>
+            <pc:sldMk cId="3452898084" sldId="260"/>
+            <ac:spMk id="3" creationId="{3DA1A82E-3628-4904-AA31-66E99F28A31D}"/>
           </ac:spMkLst>
         </pc:spChg>
       </pc:sldChg>
@@ -3857,7 +3893,7 @@
           </a:p>
           <a:p>
             <a:r>
-              <a:rPr lang="en-US" dirty="0"/>
+              <a:rPr lang="en-US" b="1" dirty="0"/>
               <a:t>Your presentation should be at least 1 minute long and can be presented in any language you choose.</a:t>
             </a:r>
           </a:p>
@@ -3867,6 +3903,201 @@
     <p:extLst>
       <p:ext uri="{BB962C8B-B14F-4D97-AF65-F5344CB8AC3E}">
         <p14:creationId xmlns:p14="http://schemas.microsoft.com/office/powerpoint/2010/main" val="1530552867"/>
+      </p:ext>
+    </p:extLst>
+  </p:cSld>
+  <p:clrMapOvr>
+    <a:masterClrMapping/>
+  </p:clrMapOvr>
+</p:sld>
+</file>
+
+<file path=ppt/slides/slide5.xml><?xml version="1.0" encoding="utf-8"?>
+<p:sld xmlns:a="http://schemas.openxmlformats.org/drawingml/2006/main" xmlns:r="http://schemas.openxmlformats.org/officeDocument/2006/relationships" xmlns:p="http://schemas.openxmlformats.org/presentationml/2006/main">
+  <p:cSld>
+    <p:spTree>
+      <p:nvGrpSpPr>
+        <p:cNvPr id="1" name=""/>
+        <p:cNvGrpSpPr/>
+        <p:nvPr/>
+      </p:nvGrpSpPr>
+      <p:grpSpPr>
+        <a:xfrm>
+          <a:off x="0" y="0"/>
+          <a:ext cx="0" cy="0"/>
+          <a:chOff x="0" y="0"/>
+          <a:chExt cx="0" cy="0"/>
+        </a:xfrm>
+      </p:grpSpPr>
+      <p:sp>
+        <p:nvSpPr>
+          <p:cNvPr id="2" name="Title 1">
+            <a:extLst>
+              <a:ext uri="{FF2B5EF4-FFF2-40B4-BE49-F238E27FC236}">
+                <a16:creationId xmlns:a16="http://schemas.microsoft.com/office/drawing/2014/main" id="{D454E284-1F81-4FAD-BC05-C16C49FBB3C5}"/>
+              </a:ext>
+            </a:extLst>
+          </p:cNvPr>
+          <p:cNvSpPr>
+            <a:spLocks noGrp="1"/>
+          </p:cNvSpPr>
+          <p:nvPr>
+            <p:ph type="title"/>
+          </p:nvPr>
+        </p:nvSpPr>
+        <p:spPr/>
+        <p:txBody>
+          <a:bodyPr/>
+          <a:lstStyle/>
+          <a:p>
+            <a:r>
+              <a:rPr lang="en-US" dirty="0"/>
+              <a:t>Reteaching</a:t>
+            </a:r>
+          </a:p>
+        </p:txBody>
+      </p:sp>
+      <p:sp>
+        <p:nvSpPr>
+          <p:cNvPr id="3" name="Content Placeholder 2">
+            <a:extLst>
+              <a:ext uri="{FF2B5EF4-FFF2-40B4-BE49-F238E27FC236}">
+                <a16:creationId xmlns:a16="http://schemas.microsoft.com/office/drawing/2014/main" id="{3DA1A82E-3628-4904-AA31-66E99F28A31D}"/>
+              </a:ext>
+            </a:extLst>
+          </p:cNvPr>
+          <p:cNvSpPr>
+            <a:spLocks noGrp="1"/>
+          </p:cNvSpPr>
+          <p:nvPr>
+            <p:ph idx="1"/>
+          </p:nvPr>
+        </p:nvSpPr>
+        <p:spPr>
+          <a:xfrm>
+            <a:off x="838200" y="1825625"/>
+            <a:ext cx="10515600" cy="4935902"/>
+          </a:xfrm>
+        </p:spPr>
+        <p:txBody>
+          <a:bodyPr>
+            <a:normAutofit fontScale="70000" lnSpcReduction="20000"/>
+          </a:bodyPr>
+          <a:lstStyle/>
+          <a:p>
+            <a:r>
+              <a:rPr lang="en-US" dirty="0"/>
+              <a:t>You (and up to two others) will create and present a slideshow on a topic we’ve covered in class up to this point</a:t>
+            </a:r>
+          </a:p>
+          <a:p>
+            <a:r>
+              <a:rPr lang="en-US" dirty="0"/>
+              <a:t>Topics to choose from:</a:t>
+            </a:r>
+          </a:p>
+          <a:p>
+            <a:pPr lvl="1"/>
+            <a:r>
+              <a:rPr lang="en-US" dirty="0"/>
+              <a:t>Logical AND</a:t>
+            </a:r>
+          </a:p>
+          <a:p>
+            <a:pPr lvl="1"/>
+            <a:r>
+              <a:rPr lang="en-US" dirty="0"/>
+              <a:t>Logical OR</a:t>
+            </a:r>
+          </a:p>
+          <a:p>
+            <a:pPr lvl="1"/>
+            <a:r>
+              <a:rPr lang="en-US" dirty="0"/>
+              <a:t>Logical XOR</a:t>
+            </a:r>
+          </a:p>
+          <a:p>
+            <a:pPr lvl="1"/>
+            <a:r>
+              <a:rPr lang="en-US" dirty="0"/>
+              <a:t>Bitwise AND</a:t>
+            </a:r>
+          </a:p>
+          <a:p>
+            <a:pPr lvl="1"/>
+            <a:r>
+              <a:rPr lang="en-US" dirty="0"/>
+              <a:t>Bitwise OR</a:t>
+            </a:r>
+          </a:p>
+          <a:p>
+            <a:pPr lvl="1"/>
+            <a:r>
+              <a:rPr lang="en-US" dirty="0"/>
+              <a:t>Left and Right Shift</a:t>
+            </a:r>
+          </a:p>
+          <a:p>
+            <a:pPr lvl="1"/>
+            <a:r>
+              <a:rPr lang="en-US" dirty="0"/>
+              <a:t>Two’s Complement</a:t>
+            </a:r>
+          </a:p>
+          <a:p>
+            <a:pPr lvl="1"/>
+            <a:r>
+              <a:rPr lang="en-US" dirty="0"/>
+              <a:t>Binary Addition</a:t>
+            </a:r>
+          </a:p>
+          <a:p>
+            <a:pPr lvl="1"/>
+            <a:r>
+              <a:rPr lang="en-US" dirty="0"/>
+              <a:t>Binary Subtraction</a:t>
+            </a:r>
+          </a:p>
+          <a:p>
+            <a:pPr lvl="1"/>
+            <a:r>
+              <a:rPr lang="en-US" dirty="0"/>
+              <a:t>Binary to Decimal Conversion</a:t>
+            </a:r>
+          </a:p>
+          <a:p>
+            <a:pPr lvl="1"/>
+            <a:r>
+              <a:rPr lang="en-US" dirty="0"/>
+              <a:t>Decimal to Binary Conversion</a:t>
+            </a:r>
+          </a:p>
+          <a:p>
+            <a:pPr lvl="1"/>
+            <a:r>
+              <a:rPr lang="en-US" dirty="0"/>
+              <a:t>Caesar Shift Cryptography</a:t>
+            </a:r>
+          </a:p>
+          <a:p>
+            <a:r>
+              <a:rPr lang="en-US" b="1" dirty="0"/>
+              <a:t>Your presentation should be at least 1 minute long and can be presented in any language you choose.</a:t>
+            </a:r>
+          </a:p>
+          <a:p>
+            <a:r>
+              <a:rPr lang="en-US" b="1" dirty="0"/>
+              <a:t>Your presentation should include a title, definition, examples, and exercises with answers for your topic.</a:t>
+            </a:r>
+          </a:p>
+        </p:txBody>
+      </p:sp>
+    </p:spTree>
+    <p:extLst>
+      <p:ext uri="{BB962C8B-B14F-4D97-AF65-F5344CB8AC3E}">
+        <p14:creationId xmlns:p14="http://schemas.microsoft.com/office/powerpoint/2010/main" val="3452898084"/>
       </p:ext>
     </p:extLst>
   </p:cSld>
@@ -4172,6 +4403,21 @@
 </file>
 
 <file path=customXml/item1.xml><?xml version="1.0" encoding="utf-8"?>
+<p:properties xmlns:p="http://schemas.microsoft.com/office/2006/metadata/properties" xmlns:xsi="http://www.w3.org/2001/XMLSchema-instance" xmlns:pc="http://schemas.microsoft.com/office/infopath/2007/PartnerControls">
+  <documentManagement/>
+</p:properties>
+</file>
+
+<file path=customXml/item2.xml><?xml version="1.0" encoding="utf-8"?>
+<?mso-contentType ?>
+<FormTemplates xmlns="http://schemas.microsoft.com/sharepoint/v3/contenttype/forms">
+  <Display>DocumentLibraryForm</Display>
+  <Edit>DocumentLibraryForm</Edit>
+  <New>DocumentLibraryForm</New>
+</FormTemplates>
+</file>
+
+<file path=customXml/item3.xml><?xml version="1.0" encoding="utf-8"?>
 <ct:contentTypeSchema xmlns:ct="http://schemas.microsoft.com/office/2006/metadata/contentType" xmlns:ma="http://schemas.microsoft.com/office/2006/metadata/properties/metaAttributes" ct:_="" ma:_="" ma:contentTypeName="Document" ma:contentTypeID="0x010100560B5B77A830FC46B2AE00BAF7D52A54" ma:contentTypeVersion="7" ma:contentTypeDescription="Create a new document." ma:contentTypeScope="" ma:versionID="b4505af7389e3055bf286c471b435ab2">
   <xsd:schema xmlns:xsd="http://www.w3.org/2001/XMLSchema" xmlns:xs="http://www.w3.org/2001/XMLSchema" xmlns:p="http://schemas.microsoft.com/office/2006/metadata/properties" xmlns:ns3="8c07c512-1ff3-44bd-87df-82ef976e112f" targetNamespace="http://schemas.microsoft.com/office/2006/metadata/properties" ma:root="true" ma:fieldsID="6f058549addda5694cbd4e31095b42cb" ns3:_="">
     <xsd:import namespace="8c07c512-1ff3-44bd-87df-82ef976e112f"/>
@@ -4333,22 +4579,31 @@
 </ct:contentTypeSchema>
 </file>
 
-<file path=customXml/item2.xml><?xml version="1.0" encoding="utf-8"?>
-<?mso-contentType ?>
-<FormTemplates xmlns="http://schemas.microsoft.com/sharepoint/v3/contenttype/forms">
-  <Display>DocumentLibraryForm</Display>
-  <Edit>DocumentLibraryForm</Edit>
-  <New>DocumentLibraryForm</New>
-</FormTemplates>
+<file path=customXml/itemProps1.xml><?xml version="1.0" encoding="utf-8"?>
+<ds:datastoreItem xmlns:ds="http://schemas.openxmlformats.org/officeDocument/2006/customXml" ds:itemID="{CAA96381-576C-4D18-A2D2-87A0E90F6A22}">
+  <ds:schemaRefs>
+    <ds:schemaRef ds:uri="http://purl.org/dc/dcmitype/"/>
+    <ds:schemaRef ds:uri="http://schemas.microsoft.com/office/2006/documentManagement/types"/>
+    <ds:schemaRef ds:uri="http://purl.org/dc/elements/1.1/"/>
+    <ds:schemaRef ds:uri="8c07c512-1ff3-44bd-87df-82ef976e112f"/>
+    <ds:schemaRef ds:uri="http://purl.org/dc/terms/"/>
+    <ds:schemaRef ds:uri="http://schemas.openxmlformats.org/package/2006/metadata/core-properties"/>
+    <ds:schemaRef ds:uri="http://schemas.microsoft.com/office/infopath/2007/PartnerControls"/>
+    <ds:schemaRef ds:uri="http://schemas.microsoft.com/office/2006/metadata/properties"/>
+    <ds:schemaRef ds:uri="http://www.w3.org/XML/1998/namespace"/>
+  </ds:schemaRefs>
+</ds:datastoreItem>
 </file>
 
-<file path=customXml/item3.xml><?xml version="1.0" encoding="utf-8"?>
-<p:properties xmlns:p="http://schemas.microsoft.com/office/2006/metadata/properties" xmlns:xsi="http://www.w3.org/2001/XMLSchema-instance" xmlns:pc="http://schemas.microsoft.com/office/infopath/2007/PartnerControls">
-  <documentManagement/>
-</p:properties>
+<file path=customXml/itemProps2.xml><?xml version="1.0" encoding="utf-8"?>
+<ds:datastoreItem xmlns:ds="http://schemas.openxmlformats.org/officeDocument/2006/customXml" ds:itemID="{F7A6E3C6-B6C8-4712-8703-BF356799E5E0}">
+  <ds:schemaRefs>
+    <ds:schemaRef ds:uri="http://schemas.microsoft.com/sharepoint/v3/contenttype/forms"/>
+  </ds:schemaRefs>
+</ds:datastoreItem>
 </file>
 
-<file path=customXml/itemProps1.xml><?xml version="1.0" encoding="utf-8"?>
+<file path=customXml/itemProps3.xml><?xml version="1.0" encoding="utf-8"?>
 <ds:datastoreItem xmlns:ds="http://schemas.openxmlformats.org/officeDocument/2006/customXml" ds:itemID="{68D5D9F6-8FC9-4B70-B94E-747849917340}">
   <ds:schemaRefs>
     <ds:schemaRef ds:uri="http://schemas.microsoft.com/office/2006/metadata/contentType"/>
@@ -4364,28 +4619,4 @@
     <ds:schemaRef ds:uri="http://schemas.microsoft.com/internal/obd"/>
   </ds:schemaRefs>
 </ds:datastoreItem>
-</file>
-
-<file path=customXml/itemProps2.xml><?xml version="1.0" encoding="utf-8"?>
-<ds:datastoreItem xmlns:ds="http://schemas.openxmlformats.org/officeDocument/2006/customXml" ds:itemID="{F7A6E3C6-B6C8-4712-8703-BF356799E5E0}">
-  <ds:schemaRefs>
-    <ds:schemaRef ds:uri="http://schemas.microsoft.com/sharepoint/v3/contenttype/forms"/>
-  </ds:schemaRefs>
-</ds:datastoreItem>
-</file>
-
-<file path=customXml/itemProps3.xml><?xml version="1.0" encoding="utf-8"?>
-<ds:datastoreItem xmlns:ds="http://schemas.openxmlformats.org/officeDocument/2006/customXml" ds:itemID="{CAA96381-576C-4D18-A2D2-87A0E90F6A22}">
-  <ds:schemaRefs>
-    <ds:schemaRef ds:uri="http://purl.org/dc/elements/1.1/"/>
-    <ds:schemaRef ds:uri="http://schemas.microsoft.com/office/2006/metadata/properties"/>
-    <ds:schemaRef ds:uri="8c07c512-1ff3-44bd-87df-82ef976e112f"/>
-    <ds:schemaRef ds:uri="http://purl.org/dc/terms/"/>
-    <ds:schemaRef ds:uri="http://schemas.openxmlformats.org/package/2006/metadata/core-properties"/>
-    <ds:schemaRef ds:uri="http://schemas.microsoft.com/office/2006/documentManagement/types"/>
-    <ds:schemaRef ds:uri="http://schemas.microsoft.com/office/infopath/2007/PartnerControls"/>
-    <ds:schemaRef ds:uri="http://www.w3.org/XML/1998/namespace"/>
-    <ds:schemaRef ds:uri="http://purl.org/dc/dcmitype/"/>
-  </ds:schemaRefs>
-</ds:datastoreItem>
 </file>